--- a/4-cbmc/lec22-SMC-examples-v4.pptx
+++ b/4-cbmc/lec22-SMC-examples-v4.pptx
@@ -316,7 +316,7 @@
               <a:pPr>
                 <a:defRPr/>
               </a:pPr>
-              <a:t>2023-01-02</a:t>
+              <a:t>2023-11-28</a:t>
             </a:fld>
             <a:endParaRPr lang="ko-KR" altLang="en-US"/>
           </a:p>
@@ -1349,7 +1349,7 @@
               <a:pPr>
                 <a:defRPr/>
               </a:pPr>
-              <a:t>12:55:17</a:t>
+              <a:t>17:15:46</a:t>
             </a:fld>
             <a:endParaRPr lang="ko-KR" altLang="en-US"/>
           </a:p>
@@ -1544,7 +1544,7 @@
               <a:pPr>
                 <a:defRPr/>
               </a:pPr>
-              <a:t>12:55:16</a:t>
+              <a:t>17:15:46</a:t>
             </a:fld>
             <a:endParaRPr lang="ko-KR" altLang="en-US" dirty="0"/>
           </a:p>
@@ -1817,7 +1817,7 @@
               <a:pPr>
                 <a:defRPr/>
               </a:pPr>
-              <a:t>12:55:16</a:t>
+              <a:t>17:15:46</a:t>
             </a:fld>
             <a:endParaRPr lang="ko-KR" altLang="en-US" dirty="0"/>
           </a:p>
@@ -9776,20 +9776,20 @@
               <a:defRPr/>
             </a:pPr>
             <a:r>
+              <a:rPr lang="en-US" altLang="ko-KR" sz="1400">
+                <a:latin typeface="Calibri" panose="020F0502020204030204" pitchFamily="34" charset="0"/>
+                <a:ea typeface="굴림" pitchFamily="50" charset="-127"/>
+                <a:cs typeface="Calibri" panose="020F0502020204030204" pitchFamily="34" charset="0"/>
+              </a:rPr>
+              <a:t>Generate </a:t>
+            </a:r>
+            <a:r>
               <a:rPr lang="en-US" altLang="ko-KR" sz="1400" dirty="0">
                 <a:latin typeface="Calibri" panose="020F0502020204030204" pitchFamily="34" charset="0"/>
                 <a:ea typeface="굴림" pitchFamily="50" charset="-127"/>
                 <a:cs typeface="Calibri" panose="020F0502020204030204" pitchFamily="34" charset="0"/>
               </a:rPr>
-              <a:t>To generate a </a:t>
-            </a:r>
-            <a:r>
-              <a:rPr lang="en-US" altLang="ko-KR" sz="1400">
-                <a:latin typeface="Calibri" panose="020F0502020204030204" pitchFamily="34" charset="0"/>
-                <a:ea typeface="굴림" pitchFamily="50" charset="-127"/>
-                <a:cs typeface="Calibri" panose="020F0502020204030204" pitchFamily="34" charset="0"/>
-              </a:rPr>
-              <a:t>counter example</a:t>
+              <a:t>a counter example</a:t>
             </a:r>
           </a:p>
           <a:p>
@@ -9800,12 +9800,12 @@
               <a:defRPr/>
             </a:pPr>
             <a:r>
-              <a:rPr lang="en-US" altLang="ko-KR" sz="1800">
+              <a:rPr lang="en-US" altLang="ko-KR" sz="1800" dirty="0">
                 <a:latin typeface="Courier New" panose="02070309020205020404" pitchFamily="49" charset="0"/>
                 <a:ea typeface="굴림" pitchFamily="50" charset="-127"/>
                 <a:cs typeface="Courier New" panose="02070309020205020404" pitchFamily="49" charset="0"/>
               </a:rPr>
-              <a:t>--trace-show-code</a:t>
+              <a:t> --trace-show-code            </a:t>
             </a:r>
           </a:p>
           <a:p>
@@ -9816,18 +9816,13 @@
               <a:defRPr/>
             </a:pPr>
             <a:r>
-              <a:rPr lang="en-US" altLang="ko-KR" sz="1400">
+              <a:rPr lang="en-US" altLang="ko-KR" sz="1400" dirty="0">
                 <a:latin typeface="Calibri" panose="020F0502020204030204" pitchFamily="34" charset="0"/>
                 <a:ea typeface="굴림" pitchFamily="50" charset="-127"/>
                 <a:cs typeface="Calibri" panose="020F0502020204030204" pitchFamily="34" charset="0"/>
               </a:rPr>
-              <a:t>To show code statements in a counter example trace</a:t>
-            </a:r>
-            <a:endParaRPr lang="en-US" altLang="ko-KR" sz="1400" dirty="0">
-              <a:latin typeface="Calibri" panose="020F0502020204030204" pitchFamily="34" charset="0"/>
-              <a:ea typeface="굴림" pitchFamily="50" charset="-127"/>
-              <a:cs typeface="Calibri" panose="020F0502020204030204" pitchFamily="34" charset="0"/>
-            </a:endParaRPr>
+              <a:t>Show original code in plain trace</a:t>
+            </a:r>
           </a:p>
           <a:p>
             <a:pPr>
@@ -9869,44 +9864,20 @@
               <a:t> –-</a:t>
             </a:r>
             <a:r>
-              <a:rPr lang="en-US" altLang="ko-KR" sz="1400" err="1">
-                <a:latin typeface="Courier New" panose="02070309020205020404" pitchFamily="49" charset="0"/>
-                <a:ea typeface="굴림" pitchFamily="50" charset="-127"/>
-                <a:cs typeface="Courier New" panose="02070309020205020404" pitchFamily="49" charset="0"/>
-              </a:rPr>
-              <a:t>unwindset</a:t>
-            </a:r>
-            <a:r>
-              <a:rPr lang="en-US" altLang="ko-KR" sz="1400">
-                <a:latin typeface="Courier New" panose="02070309020205020404" pitchFamily="49" charset="0"/>
-                <a:ea typeface="굴림" pitchFamily="50" charset="-127"/>
-                <a:cs typeface="Courier New" panose="02070309020205020404" pitchFamily="49" charset="0"/>
-              </a:rPr>
-              <a:t> f</a:t>
-            </a:r>
-            <a:r>
               <a:rPr lang="en-US" altLang="ko-KR" sz="1400" dirty="0" err="1">
                 <a:latin typeface="Courier New" panose="02070309020205020404" pitchFamily="49" charset="0"/>
                 <a:ea typeface="굴림" pitchFamily="50" charset="-127"/>
                 <a:cs typeface="Courier New" panose="02070309020205020404" pitchFamily="49" charset="0"/>
               </a:rPr>
-              <a:t>.</a:t>
-            </a:r>
-            <a:r>
-              <a:rPr lang="en-US" altLang="ko-KR" sz="1400" err="1">
+              <a:t>unwindset</a:t>
+            </a:r>
+            <a:r>
+              <a:rPr lang="en-US" altLang="ko-KR" sz="1400" dirty="0">
                 <a:latin typeface="Courier New" panose="02070309020205020404" pitchFamily="49" charset="0"/>
                 <a:ea typeface="굴림" pitchFamily="50" charset="-127"/>
                 <a:cs typeface="Courier New" panose="02070309020205020404" pitchFamily="49" charset="0"/>
               </a:rPr>
-              <a:t>0:64</a:t>
-            </a:r>
-            <a:r>
-              <a:rPr lang="en-US" altLang="ko-KR" sz="1400">
-                <a:latin typeface="Courier New" panose="02070309020205020404" pitchFamily="49" charset="0"/>
-                <a:ea typeface="굴림" pitchFamily="50" charset="-127"/>
-                <a:cs typeface="Courier New" panose="02070309020205020404" pitchFamily="49" charset="0"/>
-              </a:rPr>
-              <a:t>,main</a:t>
+              <a:t> </a:t>
             </a:r>
             <a:r>
               <a:rPr lang="en-US" altLang="ko-KR" sz="1400" dirty="0" err="1">
@@ -9914,7 +9885,7 @@
                 <a:ea typeface="굴림" pitchFamily="50" charset="-127"/>
                 <a:cs typeface="Courier New" panose="02070309020205020404" pitchFamily="49" charset="0"/>
               </a:rPr>
-              <a:t>.1:64,max_heapify:3</a:t>
+              <a:t>f.0:64,main.1:64,max_heapify:3</a:t>
             </a:r>
             <a:r>
               <a:rPr lang="en-US" altLang="ko-KR" sz="1400" dirty="0">
@@ -10642,8 +10613,13 @@
             </a:pPr>
             <a:r>
               <a:rPr lang="en-US" altLang="ko-KR" sz="1600" dirty="0"/>
-              <a:t> 5     }</a:t>
-            </a:r>
+              <a:t> </a:t>
+            </a:r>
+            <a:r>
+              <a:rPr lang="en-US" altLang="ko-KR" sz="1600"/>
+              <a:t>5     } /* assert(! (i&lt;3)); */</a:t>
+            </a:r>
+            <a:endParaRPr lang="en-US" altLang="ko-KR" sz="1600" dirty="0"/>
           </a:p>
           <a:p>
             <a:pPr marL="0" indent="0">
@@ -12409,20 +12385,27 @@
                 <a:latin typeface="Calibri" panose="020F0502020204030204" pitchFamily="34" charset="0"/>
                 <a:ea typeface="굴림" pitchFamily="50" charset="-127"/>
               </a:rPr>
-              <a:t>Refine/restrict an environment with </a:t>
-            </a:r>
-            <a:r>
-              <a:rPr lang="en-US" altLang="ko-KR" sz="2400" dirty="0">
-                <a:solidFill>
-                  <a:srgbClr val="FF0000"/>
-                </a:solidFill>
+              <a:t>Refine/restrict an environment </a:t>
+            </a:r>
+            <a:r>
+              <a:rPr lang="en-US" altLang="ko-KR" sz="2400">
                 <a:latin typeface="Calibri" panose="020F0502020204030204" pitchFamily="34" charset="0"/>
                 <a:ea typeface="굴림" pitchFamily="50" charset="-127"/>
               </a:rPr>
+              <a:t>with </a:t>
+            </a:r>
+            <a:r>
+              <a:rPr lang="en-US" altLang="ko-KR" sz="2400">
+                <a:solidFill>
+                  <a:srgbClr val="FF0000"/>
+                </a:solidFill>
+                <a:latin typeface="Calibri" panose="020F0502020204030204" pitchFamily="34" charset="0"/>
+                <a:ea typeface="굴림" pitchFamily="50" charset="-127"/>
+              </a:rPr>
               <a:t>_</a:t>
             </a:r>
             <a:r>
-              <a:rPr lang="en-US" altLang="ko-KR" sz="2400" dirty="0">
+              <a:rPr lang="en-US" altLang="ko-KR" sz="2400">
                 <a:solidFill>
                   <a:srgbClr val="FF0000"/>
                 </a:solidFill>
@@ -12796,79 +12779,67 @@
           </a:p>
           <a:p>
             <a:r>
-              <a:rPr lang="en-US" sz="1600" dirty="0">
+              <a:rPr lang="en-US" sz="1600">
                 <a:latin typeface="Calibri" panose="020F0502020204030204" pitchFamily="34" charset="0"/>
               </a:rPr>
               <a:t>    </a:t>
             </a:r>
             <a:r>
-              <a:rPr lang="en-US" sz="1600" dirty="0">
+              <a:rPr lang="en-US" sz="1600">
                 <a:solidFill>
                   <a:srgbClr val="FF0000"/>
                 </a:solidFill>
                 <a:latin typeface="Calibri" panose="020F0502020204030204" pitchFamily="34" charset="0"/>
               </a:rPr>
-              <a:t>__</a:t>
-            </a:r>
-            <a:r>
-              <a:rPr lang="en-US" sz="1600" dirty="0" err="1">
+              <a:t>__CPROVER_assume</a:t>
+            </a:r>
+          </a:p>
+          <a:p>
+            <a:r>
+              <a:rPr lang="en-US" sz="1600">
                 <a:solidFill>
                   <a:srgbClr val="FF0000"/>
                 </a:solidFill>
                 <a:latin typeface="Calibri" panose="020F0502020204030204" pitchFamily="34" charset="0"/>
               </a:rPr>
-              <a:t>CPROVER_assume</a:t>
+              <a:t>   </a:t>
+            </a:r>
+            <a:r>
+              <a:rPr lang="en-US" sz="1600">
+                <a:latin typeface="Calibri" panose="020F0502020204030204" pitchFamily="34" charset="0"/>
+              </a:rPr>
+              <a:t>(0&lt;x &amp;&amp; 0&lt;y);</a:t>
+            </a:r>
+          </a:p>
+          <a:p>
+            <a:r>
+              <a:rPr lang="en-US" sz="1600">
+                <a:latin typeface="Calibri" panose="020F0502020204030204" pitchFamily="34" charset="0"/>
+              </a:rPr>
+              <a:t>    if(x &lt; 0 &amp;&amp; y &lt; 0) </a:t>
+            </a:r>
+            <a:br>
+              <a:rPr lang="en-US" sz="1600">
+                <a:latin typeface="Calibri" panose="020F0502020204030204" pitchFamily="34" charset="0"/>
+              </a:rPr>
+            </a:br>
+            <a:r>
+              <a:rPr lang="en-US" sz="1600">
+                <a:latin typeface="Calibri" panose="020F0502020204030204" pitchFamily="34" charset="0"/>
+              </a:rPr>
+              <a:t>        assert(0); </a:t>
+            </a:r>
+          </a:p>
+          <a:p>
+            <a:r>
+              <a:rPr lang="en-US" sz="1600">
+                <a:latin typeface="Calibri" panose="020F0502020204030204" pitchFamily="34" charset="0"/>
+              </a:rPr>
+              <a:t>}</a:t>
             </a:r>
             <a:endParaRPr lang="en-US" sz="1600" dirty="0">
-              <a:solidFill>
-                <a:srgbClr val="FF0000"/>
-              </a:solidFill>
               <a:latin typeface="Calibri" panose="020F0502020204030204" pitchFamily="34" charset="0"/>
             </a:endParaRPr>
-          </a:p>
-          <a:p>
-            <a:r>
-              <a:rPr lang="en-US" sz="1600" dirty="0">
-                <a:solidFill>
-                  <a:srgbClr val="FF0000"/>
-                </a:solidFill>
-                <a:latin typeface="Calibri" panose="020F0502020204030204" pitchFamily="34" charset="0"/>
-              </a:rPr>
-              <a:t>   </a:t>
-            </a:r>
-            <a:r>
-              <a:rPr lang="en-US" sz="1600" dirty="0">
-                <a:latin typeface="Calibri" panose="020F0502020204030204" pitchFamily="34" charset="0"/>
-              </a:rPr>
-              <a:t>(0&lt;x &amp;&amp; 0&lt;y);</a:t>
-            </a:r>
-          </a:p>
-          <a:p>
-            <a:r>
-              <a:rPr lang="en-US" sz="1600" dirty="0">
-                <a:latin typeface="Calibri" panose="020F0502020204030204" pitchFamily="34" charset="0"/>
-              </a:rPr>
-              <a:t>    if(x &lt; 0 &amp;&amp; y &lt; 0) </a:t>
-            </a:r>
-            <a:br>
-              <a:rPr lang="en-US" sz="1600" dirty="0">
-                <a:latin typeface="Calibri" panose="020F0502020204030204" pitchFamily="34" charset="0"/>
-              </a:rPr>
-            </a:br>
-            <a:r>
-              <a:rPr lang="en-US" sz="1600" dirty="0">
-                <a:latin typeface="Calibri" panose="020F0502020204030204" pitchFamily="34" charset="0"/>
-              </a:rPr>
-              <a:t>        assert(0); </a:t>
-            </a:r>
-          </a:p>
-          <a:p>
-            <a:r>
-              <a:rPr lang="en-US" sz="1600" dirty="0">
-                <a:latin typeface="Calibri" panose="020F0502020204030204" pitchFamily="34" charset="0"/>
-              </a:rPr>
-              <a:t>}</a:t>
-            </a:r>
           </a:p>
           <a:p>
             <a:r>
